--- a/Deconvolution Net.pptx
+++ b/Deconvolution Net.pptx
@@ -6,6 +6,14 @@
   </p:sldMasterIdLst>
   <p:sldIdLst>
     <p:sldId id="256" r:id="rId2"/>
+    <p:sldId id="257" r:id="rId3"/>
+    <p:sldId id="258" r:id="rId4"/>
+    <p:sldId id="259" r:id="rId5"/>
+    <p:sldId id="260" r:id="rId6"/>
+    <p:sldId id="261" r:id="rId7"/>
+    <p:sldId id="262" r:id="rId8"/>
+    <p:sldId id="263" r:id="rId9"/>
+    <p:sldId id="264" r:id="rId10"/>
   </p:sldIdLst>
   <p:sldSz cx="12192000" cy="6858000"/>
   <p:notesSz cx="6858000" cy="9144000"/>
@@ -104,6 +112,11 @@
       </a:defRPr>
     </a:lvl9pPr>
   </p:defaultTextStyle>
+  <p:extLst>
+    <p:ext uri="{EFAFB233-063F-42B5-8137-9DF3F51BA10A}">
+      <p15:sldGuideLst xmlns:p15="http://schemas.microsoft.com/office/powerpoint/2012/main"/>
+    </p:ext>
+  </p:extLst>
 </p:presentation>
 </file>
 
@@ -3082,6 +3095,885 @@
   <p:clrMapOvr>
     <a:masterClrMapping/>
   </p:clrMapOvr>
+  <p:timing>
+    <p:tnLst>
+      <p:par>
+        <p:cTn id="1" dur="indefinite" restart="never" nodeType="tmRoot"/>
+      </p:par>
+    </p:tnLst>
+  </p:timing>
+</p:sld>
+</file>
+
+<file path=ppt/slides/slide2.xml><?xml version="1.0" encoding="utf-8"?>
+<p:sld xmlns:a="http://schemas.openxmlformats.org/drawingml/2006/main" xmlns:r="http://schemas.openxmlformats.org/officeDocument/2006/relationships" xmlns:p="http://schemas.openxmlformats.org/presentationml/2006/main">
+  <p:cSld>
+    <p:spTree>
+      <p:nvGrpSpPr>
+        <p:cNvPr id="1" name=""/>
+        <p:cNvGrpSpPr/>
+        <p:nvPr/>
+      </p:nvGrpSpPr>
+      <p:grpSpPr>
+        <a:xfrm>
+          <a:off x="0" y="0"/>
+          <a:ext cx="0" cy="0"/>
+          <a:chOff x="0" y="0"/>
+          <a:chExt cx="0" cy="0"/>
+        </a:xfrm>
+      </p:grpSpPr>
+      <p:sp>
+        <p:nvSpPr>
+          <p:cNvPr id="2" name="제목 1"/>
+          <p:cNvSpPr>
+            <a:spLocks noGrp="1"/>
+          </p:cNvSpPr>
+          <p:nvPr>
+            <p:ph type="title"/>
+          </p:nvPr>
+        </p:nvSpPr>
+        <p:spPr/>
+        <p:txBody>
+          <a:bodyPr/>
+          <a:lstStyle/>
+          <a:p>
+            <a:r>
+              <a:rPr lang="en-US" altLang="ko-KR" dirty="0" smtClean="0"/>
+              <a:t>Limits of FCN</a:t>
+            </a:r>
+            <a:endParaRPr lang="ko-KR" altLang="en-US" dirty="0"/>
+          </a:p>
+        </p:txBody>
+      </p:sp>
+      <p:sp>
+        <p:nvSpPr>
+          <p:cNvPr id="3" name="내용 개체 틀 2"/>
+          <p:cNvSpPr>
+            <a:spLocks noGrp="1"/>
+          </p:cNvSpPr>
+          <p:nvPr>
+            <p:ph idx="1"/>
+          </p:nvPr>
+        </p:nvSpPr>
+        <p:spPr/>
+        <p:txBody>
+          <a:bodyPr/>
+          <a:lstStyle/>
+          <a:p>
+            <a:r>
+              <a:rPr lang="en-US" altLang="ko-KR" dirty="0" smtClean="0"/>
+              <a:t>Fixed-size receptive field</a:t>
+            </a:r>
+            <a:endParaRPr lang="ko-KR" altLang="en-US" dirty="0"/>
+          </a:p>
+        </p:txBody>
+      </p:sp>
+      <p:pic>
+        <p:nvPicPr>
+          <p:cNvPr id="5" name="그림 4"/>
+          <p:cNvPicPr>
+            <a:picLocks noChangeAspect="1"/>
+          </p:cNvPicPr>
+          <p:nvPr/>
+        </p:nvPicPr>
+        <p:blipFill>
+          <a:blip r:embed="rId2"/>
+          <a:stretch>
+            <a:fillRect/>
+          </a:stretch>
+        </p:blipFill>
+        <p:spPr>
+          <a:xfrm>
+            <a:off x="6913991" y="1429544"/>
+            <a:ext cx="4962525" cy="5143500"/>
+          </a:xfrm>
+          <a:prstGeom prst="rect">
+            <a:avLst/>
+          </a:prstGeom>
+        </p:spPr>
+      </p:pic>
+    </p:spTree>
+    <p:extLst>
+      <p:ext uri="{BB962C8B-B14F-4D97-AF65-F5344CB8AC3E}">
+        <p14:creationId xmlns:p14="http://schemas.microsoft.com/office/powerpoint/2010/main" val="2539140783"/>
+      </p:ext>
+    </p:extLst>
+  </p:cSld>
+  <p:clrMapOvr>
+    <a:masterClrMapping/>
+  </p:clrMapOvr>
+  <p:timing>
+    <p:tnLst>
+      <p:par>
+        <p:cTn id="1" dur="indefinite" restart="never" nodeType="tmRoot"/>
+      </p:par>
+    </p:tnLst>
+  </p:timing>
+</p:sld>
+</file>
+
+<file path=ppt/slides/slide3.xml><?xml version="1.0" encoding="utf-8"?>
+<p:sld xmlns:a="http://schemas.openxmlformats.org/drawingml/2006/main" xmlns:r="http://schemas.openxmlformats.org/officeDocument/2006/relationships" xmlns:p="http://schemas.openxmlformats.org/presentationml/2006/main">
+  <p:cSld>
+    <p:spTree>
+      <p:nvGrpSpPr>
+        <p:cNvPr id="1" name=""/>
+        <p:cNvGrpSpPr/>
+        <p:nvPr/>
+      </p:nvGrpSpPr>
+      <p:grpSpPr>
+        <a:xfrm>
+          <a:off x="0" y="0"/>
+          <a:ext cx="0" cy="0"/>
+          <a:chOff x="0" y="0"/>
+          <a:chExt cx="0" cy="0"/>
+        </a:xfrm>
+      </p:grpSpPr>
+      <p:sp>
+        <p:nvSpPr>
+          <p:cNvPr id="2" name="제목 1"/>
+          <p:cNvSpPr>
+            <a:spLocks noGrp="1"/>
+          </p:cNvSpPr>
+          <p:nvPr>
+            <p:ph type="title"/>
+          </p:nvPr>
+        </p:nvSpPr>
+        <p:spPr/>
+        <p:txBody>
+          <a:bodyPr/>
+          <a:lstStyle/>
+          <a:p>
+            <a:r>
+              <a:rPr lang="en-US" altLang="ko-KR" dirty="0" smtClean="0"/>
+              <a:t>Architecture</a:t>
+            </a:r>
+            <a:endParaRPr lang="ko-KR" altLang="en-US" dirty="0"/>
+          </a:p>
+        </p:txBody>
+      </p:sp>
+      <p:sp>
+        <p:nvSpPr>
+          <p:cNvPr id="3" name="내용 개체 틀 2"/>
+          <p:cNvSpPr>
+            <a:spLocks noGrp="1"/>
+          </p:cNvSpPr>
+          <p:nvPr>
+            <p:ph idx="1"/>
+          </p:nvPr>
+        </p:nvSpPr>
+        <p:spPr/>
+        <p:txBody>
+          <a:bodyPr/>
+          <a:lstStyle/>
+          <a:p>
+            <a:endParaRPr lang="ko-KR" altLang="en-US"/>
+          </a:p>
+        </p:txBody>
+      </p:sp>
+      <p:pic>
+        <p:nvPicPr>
+          <p:cNvPr id="4" name="그림 3"/>
+          <p:cNvPicPr>
+            <a:picLocks noChangeAspect="1"/>
+          </p:cNvPicPr>
+          <p:nvPr/>
+        </p:nvPicPr>
+        <p:blipFill>
+          <a:blip r:embed="rId2"/>
+          <a:stretch>
+            <a:fillRect/>
+          </a:stretch>
+        </p:blipFill>
+        <p:spPr>
+          <a:xfrm>
+            <a:off x="838200" y="1825625"/>
+            <a:ext cx="10515600" cy="3686175"/>
+          </a:xfrm>
+          <a:prstGeom prst="rect">
+            <a:avLst/>
+          </a:prstGeom>
+        </p:spPr>
+      </p:pic>
+    </p:spTree>
+    <p:extLst>
+      <p:ext uri="{BB962C8B-B14F-4D97-AF65-F5344CB8AC3E}">
+        <p14:creationId xmlns:p14="http://schemas.microsoft.com/office/powerpoint/2010/main" val="2209407123"/>
+      </p:ext>
+    </p:extLst>
+  </p:cSld>
+  <p:clrMapOvr>
+    <a:masterClrMapping/>
+  </p:clrMapOvr>
+  <p:timing>
+    <p:tnLst>
+      <p:par>
+        <p:cTn id="1" dur="indefinite" restart="never" nodeType="tmRoot"/>
+      </p:par>
+    </p:tnLst>
+  </p:timing>
+</p:sld>
+</file>
+
+<file path=ppt/slides/slide4.xml><?xml version="1.0" encoding="utf-8"?>
+<p:sld xmlns:a="http://schemas.openxmlformats.org/drawingml/2006/main" xmlns:r="http://schemas.openxmlformats.org/officeDocument/2006/relationships" xmlns:p="http://schemas.openxmlformats.org/presentationml/2006/main">
+  <p:cSld>
+    <p:spTree>
+      <p:nvGrpSpPr>
+        <p:cNvPr id="1" name=""/>
+        <p:cNvGrpSpPr/>
+        <p:nvPr/>
+      </p:nvGrpSpPr>
+      <p:grpSpPr>
+        <a:xfrm>
+          <a:off x="0" y="0"/>
+          <a:ext cx="0" cy="0"/>
+          <a:chOff x="0" y="0"/>
+          <a:chExt cx="0" cy="0"/>
+        </a:xfrm>
+      </p:grpSpPr>
+      <p:sp>
+        <p:nvSpPr>
+          <p:cNvPr id="2" name="제목 1"/>
+          <p:cNvSpPr>
+            <a:spLocks noGrp="1"/>
+          </p:cNvSpPr>
+          <p:nvPr>
+            <p:ph type="title"/>
+          </p:nvPr>
+        </p:nvSpPr>
+        <p:spPr/>
+        <p:txBody>
+          <a:bodyPr/>
+          <a:lstStyle/>
+          <a:p>
+            <a:r>
+              <a:rPr lang="en-US" altLang="ko-KR" dirty="0" err="1" smtClean="0"/>
+              <a:t>Unpooling</a:t>
+            </a:r>
+            <a:endParaRPr lang="ko-KR" altLang="en-US" dirty="0"/>
+          </a:p>
+        </p:txBody>
+      </p:sp>
+      <p:pic>
+        <p:nvPicPr>
+          <p:cNvPr id="5" name="그림 4"/>
+          <p:cNvPicPr>
+            <a:picLocks noChangeAspect="1"/>
+          </p:cNvPicPr>
+          <p:nvPr/>
+        </p:nvPicPr>
+        <p:blipFill>
+          <a:blip r:embed="rId2"/>
+          <a:stretch>
+            <a:fillRect/>
+          </a:stretch>
+        </p:blipFill>
+        <p:spPr>
+          <a:xfrm>
+            <a:off x="2769826" y="4001294"/>
+            <a:ext cx="6652348" cy="2148660"/>
+          </a:xfrm>
+          <a:prstGeom prst="rect">
+            <a:avLst/>
+          </a:prstGeom>
+        </p:spPr>
+      </p:pic>
+      <p:sp>
+        <p:nvSpPr>
+          <p:cNvPr id="6" name="내용 개체 틀 5"/>
+          <p:cNvSpPr>
+            <a:spLocks noGrp="1"/>
+          </p:cNvSpPr>
+          <p:nvPr>
+            <p:ph idx="1"/>
+          </p:nvPr>
+        </p:nvSpPr>
+        <p:spPr/>
+        <p:txBody>
+          <a:bodyPr/>
+          <a:lstStyle/>
+          <a:p>
+            <a:r>
+              <a:rPr lang="en-US" altLang="ko-KR" dirty="0" smtClean="0"/>
+              <a:t>Pooling is designed to filter noisy activations</a:t>
+            </a:r>
+          </a:p>
+          <a:p>
+            <a:r>
+              <a:rPr lang="en-US" altLang="ko-KR" dirty="0" smtClean="0"/>
+              <a:t>But also lose spatial information</a:t>
+            </a:r>
+          </a:p>
+          <a:p>
+            <a:r>
+              <a:rPr lang="en-US" altLang="ko-KR" dirty="0" smtClean="0"/>
+              <a:t>Used switch variables with </a:t>
+            </a:r>
+            <a:r>
+              <a:rPr lang="en-US" altLang="ko-KR" dirty="0" err="1" smtClean="0"/>
+              <a:t>unpooling</a:t>
+            </a:r>
+            <a:endParaRPr lang="en-US" altLang="ko-KR" dirty="0" smtClean="0"/>
+          </a:p>
+          <a:p>
+            <a:r>
+              <a:rPr lang="en-US" altLang="ko-KR" dirty="0" smtClean="0"/>
+              <a:t>Locality</a:t>
+            </a:r>
+            <a:endParaRPr lang="ko-KR" altLang="en-US" dirty="0"/>
+          </a:p>
+        </p:txBody>
+      </p:sp>
+    </p:spTree>
+    <p:extLst>
+      <p:ext uri="{BB962C8B-B14F-4D97-AF65-F5344CB8AC3E}">
+        <p14:creationId xmlns:p14="http://schemas.microsoft.com/office/powerpoint/2010/main" val="1194017164"/>
+      </p:ext>
+    </p:extLst>
+  </p:cSld>
+  <p:clrMapOvr>
+    <a:masterClrMapping/>
+  </p:clrMapOvr>
+  <p:timing>
+    <p:tnLst>
+      <p:par>
+        <p:cTn id="1" dur="indefinite" restart="never" nodeType="tmRoot"/>
+      </p:par>
+    </p:tnLst>
+  </p:timing>
+</p:sld>
+</file>
+
+<file path=ppt/slides/slide5.xml><?xml version="1.0" encoding="utf-8"?>
+<p:sld xmlns:a="http://schemas.openxmlformats.org/drawingml/2006/main" xmlns:r="http://schemas.openxmlformats.org/officeDocument/2006/relationships" xmlns:p="http://schemas.openxmlformats.org/presentationml/2006/main">
+  <p:cSld>
+    <p:spTree>
+      <p:nvGrpSpPr>
+        <p:cNvPr id="1" name=""/>
+        <p:cNvGrpSpPr/>
+        <p:nvPr/>
+      </p:nvGrpSpPr>
+      <p:grpSpPr>
+        <a:xfrm>
+          <a:off x="0" y="0"/>
+          <a:ext cx="0" cy="0"/>
+          <a:chOff x="0" y="0"/>
+          <a:chExt cx="0" cy="0"/>
+        </a:xfrm>
+      </p:grpSpPr>
+      <p:sp>
+        <p:nvSpPr>
+          <p:cNvPr id="2" name="제목 1"/>
+          <p:cNvSpPr>
+            <a:spLocks noGrp="1"/>
+          </p:cNvSpPr>
+          <p:nvPr>
+            <p:ph type="title"/>
+          </p:nvPr>
+        </p:nvSpPr>
+        <p:spPr/>
+        <p:txBody>
+          <a:bodyPr/>
+          <a:lstStyle/>
+          <a:p>
+            <a:r>
+              <a:rPr lang="en-US" altLang="ko-KR" dirty="0" smtClean="0"/>
+              <a:t>Deconvolution</a:t>
+            </a:r>
+            <a:endParaRPr lang="ko-KR" altLang="en-US" dirty="0"/>
+          </a:p>
+        </p:txBody>
+      </p:sp>
+      <p:sp>
+        <p:nvSpPr>
+          <p:cNvPr id="3" name="내용 개체 틀 2"/>
+          <p:cNvSpPr>
+            <a:spLocks noGrp="1"/>
+          </p:cNvSpPr>
+          <p:nvPr>
+            <p:ph idx="1"/>
+          </p:nvPr>
+        </p:nvSpPr>
+        <p:spPr/>
+        <p:txBody>
+          <a:bodyPr/>
+          <a:lstStyle/>
+          <a:p>
+            <a:r>
+              <a:rPr lang="en-US" altLang="ko-KR" dirty="0" err="1" smtClean="0"/>
+              <a:t>Unpooled</a:t>
+            </a:r>
+            <a:r>
+              <a:rPr lang="en-US" altLang="ko-KR" dirty="0" smtClean="0"/>
+              <a:t> feature map is an enlarged, yet sparse</a:t>
+            </a:r>
+          </a:p>
+          <a:p>
+            <a:r>
+              <a:rPr lang="en-US" altLang="ko-KR" dirty="0" smtClean="0"/>
+              <a:t>Deconvolution layers densify</a:t>
+            </a:r>
+          </a:p>
+          <a:p>
+            <a:r>
+              <a:rPr lang="en-US" altLang="ko-KR" dirty="0" smtClean="0"/>
+              <a:t>Learnable</a:t>
+            </a:r>
+          </a:p>
+          <a:p>
+            <a:r>
+              <a:rPr lang="en-US" altLang="ko-KR" dirty="0" smtClean="0"/>
+              <a:t>Crop after deconvolution</a:t>
+            </a:r>
+          </a:p>
+          <a:p>
+            <a:r>
+              <a:rPr lang="en-US" altLang="ko-KR" dirty="0" smtClean="0"/>
+              <a:t>Reconstruct shape of input object</a:t>
+            </a:r>
+            <a:endParaRPr lang="ko-KR" altLang="en-US" dirty="0"/>
+          </a:p>
+        </p:txBody>
+      </p:sp>
+      <p:pic>
+        <p:nvPicPr>
+          <p:cNvPr id="4" name="그림 3"/>
+          <p:cNvPicPr>
+            <a:picLocks noChangeAspect="1"/>
+          </p:cNvPicPr>
+          <p:nvPr/>
+        </p:nvPicPr>
+        <p:blipFill>
+          <a:blip r:embed="rId2"/>
+          <a:stretch>
+            <a:fillRect/>
+          </a:stretch>
+        </p:blipFill>
+        <p:spPr>
+          <a:xfrm>
+            <a:off x="3052251" y="4483207"/>
+            <a:ext cx="6087497" cy="2345746"/>
+          </a:xfrm>
+          <a:prstGeom prst="rect">
+            <a:avLst/>
+          </a:prstGeom>
+        </p:spPr>
+      </p:pic>
+    </p:spTree>
+    <p:extLst>
+      <p:ext uri="{BB962C8B-B14F-4D97-AF65-F5344CB8AC3E}">
+        <p14:creationId xmlns:p14="http://schemas.microsoft.com/office/powerpoint/2010/main" val="1483954313"/>
+      </p:ext>
+    </p:extLst>
+  </p:cSld>
+  <p:clrMapOvr>
+    <a:masterClrMapping/>
+  </p:clrMapOvr>
+  <p:timing>
+    <p:tnLst>
+      <p:par>
+        <p:cTn id="1" dur="indefinite" restart="never" nodeType="tmRoot"/>
+      </p:par>
+    </p:tnLst>
+  </p:timing>
+</p:sld>
+</file>
+
+<file path=ppt/slides/slide6.xml><?xml version="1.0" encoding="utf-8"?>
+<p:sld xmlns:a="http://schemas.openxmlformats.org/drawingml/2006/main" xmlns:r="http://schemas.openxmlformats.org/officeDocument/2006/relationships" xmlns:p="http://schemas.openxmlformats.org/presentationml/2006/main">
+  <p:cSld>
+    <p:spTree>
+      <p:nvGrpSpPr>
+        <p:cNvPr id="1" name=""/>
+        <p:cNvGrpSpPr/>
+        <p:nvPr/>
+      </p:nvGrpSpPr>
+      <p:grpSpPr>
+        <a:xfrm>
+          <a:off x="0" y="0"/>
+          <a:ext cx="0" cy="0"/>
+          <a:chOff x="0" y="0"/>
+          <a:chExt cx="0" cy="0"/>
+        </a:xfrm>
+      </p:grpSpPr>
+      <p:sp>
+        <p:nvSpPr>
+          <p:cNvPr id="2" name="제목 1"/>
+          <p:cNvSpPr>
+            <a:spLocks noGrp="1"/>
+          </p:cNvSpPr>
+          <p:nvPr>
+            <p:ph type="title"/>
+          </p:nvPr>
+        </p:nvSpPr>
+        <p:spPr/>
+        <p:txBody>
+          <a:bodyPr/>
+          <a:lstStyle/>
+          <a:p>
+            <a:endParaRPr lang="ko-KR" altLang="en-US"/>
+          </a:p>
+        </p:txBody>
+      </p:sp>
+      <p:sp>
+        <p:nvSpPr>
+          <p:cNvPr id="3" name="내용 개체 틀 2"/>
+          <p:cNvSpPr>
+            <a:spLocks noGrp="1"/>
+          </p:cNvSpPr>
+          <p:nvPr>
+            <p:ph idx="1"/>
+          </p:nvPr>
+        </p:nvSpPr>
+        <p:spPr/>
+        <p:txBody>
+          <a:bodyPr/>
+          <a:lstStyle/>
+          <a:p>
+            <a:endParaRPr lang="ko-KR" altLang="en-US"/>
+          </a:p>
+        </p:txBody>
+      </p:sp>
+      <p:pic>
+        <p:nvPicPr>
+          <p:cNvPr id="4" name="그림 3"/>
+          <p:cNvPicPr>
+            <a:picLocks noChangeAspect="1"/>
+          </p:cNvPicPr>
+          <p:nvPr/>
+        </p:nvPicPr>
+        <p:blipFill>
+          <a:blip r:embed="rId2"/>
+          <a:stretch>
+            <a:fillRect/>
+          </a:stretch>
+        </p:blipFill>
+        <p:spPr>
+          <a:xfrm>
+            <a:off x="1133475" y="285750"/>
+            <a:ext cx="9925050" cy="6286500"/>
+          </a:xfrm>
+          <a:prstGeom prst="rect">
+            <a:avLst/>
+          </a:prstGeom>
+        </p:spPr>
+      </p:pic>
+    </p:spTree>
+    <p:extLst>
+      <p:ext uri="{BB962C8B-B14F-4D97-AF65-F5344CB8AC3E}">
+        <p14:creationId xmlns:p14="http://schemas.microsoft.com/office/powerpoint/2010/main" val="912172951"/>
+      </p:ext>
+    </p:extLst>
+  </p:cSld>
+  <p:clrMapOvr>
+    <a:masterClrMapping/>
+  </p:clrMapOvr>
+  <p:timing>
+    <p:tnLst>
+      <p:par>
+        <p:cTn id="1" dur="indefinite" restart="never" nodeType="tmRoot"/>
+      </p:par>
+    </p:tnLst>
+  </p:timing>
+</p:sld>
+</file>
+
+<file path=ppt/slides/slide7.xml><?xml version="1.0" encoding="utf-8"?>
+<p:sld xmlns:a="http://schemas.openxmlformats.org/drawingml/2006/main" xmlns:r="http://schemas.openxmlformats.org/officeDocument/2006/relationships" xmlns:p="http://schemas.openxmlformats.org/presentationml/2006/main">
+  <p:cSld>
+    <p:spTree>
+      <p:nvGrpSpPr>
+        <p:cNvPr id="1" name=""/>
+        <p:cNvGrpSpPr/>
+        <p:nvPr/>
+      </p:nvGrpSpPr>
+      <p:grpSpPr>
+        <a:xfrm>
+          <a:off x="0" y="0"/>
+          <a:ext cx="0" cy="0"/>
+          <a:chOff x="0" y="0"/>
+          <a:chExt cx="0" cy="0"/>
+        </a:xfrm>
+      </p:grpSpPr>
+      <p:sp>
+        <p:nvSpPr>
+          <p:cNvPr id="2" name="제목 1"/>
+          <p:cNvSpPr>
+            <a:spLocks noGrp="1"/>
+          </p:cNvSpPr>
+          <p:nvPr>
+            <p:ph type="title"/>
+          </p:nvPr>
+        </p:nvSpPr>
+        <p:spPr/>
+        <p:txBody>
+          <a:bodyPr/>
+          <a:lstStyle/>
+          <a:p>
+            <a:r>
+              <a:rPr lang="en-US" altLang="ko-KR" dirty="0" smtClean="0"/>
+              <a:t>Precise results</a:t>
+            </a:r>
+            <a:endParaRPr lang="ko-KR" altLang="en-US" dirty="0"/>
+          </a:p>
+        </p:txBody>
+      </p:sp>
+      <p:sp>
+        <p:nvSpPr>
+          <p:cNvPr id="3" name="내용 개체 틀 2"/>
+          <p:cNvSpPr>
+            <a:spLocks noGrp="1"/>
+          </p:cNvSpPr>
+          <p:nvPr>
+            <p:ph idx="1"/>
+          </p:nvPr>
+        </p:nvSpPr>
+        <p:spPr/>
+        <p:txBody>
+          <a:bodyPr/>
+          <a:lstStyle/>
+          <a:p>
+            <a:endParaRPr lang="ko-KR" altLang="en-US" dirty="0"/>
+          </a:p>
+        </p:txBody>
+      </p:sp>
+      <p:pic>
+        <p:nvPicPr>
+          <p:cNvPr id="4" name="그림 3"/>
+          <p:cNvPicPr>
+            <a:picLocks noChangeAspect="1"/>
+          </p:cNvPicPr>
+          <p:nvPr/>
+        </p:nvPicPr>
+        <p:blipFill>
+          <a:blip r:embed="rId2"/>
+          <a:stretch>
+            <a:fillRect/>
+          </a:stretch>
+        </p:blipFill>
+        <p:spPr>
+          <a:xfrm>
+            <a:off x="2677335" y="1391980"/>
+            <a:ext cx="6837329" cy="5218627"/>
+          </a:xfrm>
+          <a:prstGeom prst="rect">
+            <a:avLst/>
+          </a:prstGeom>
+        </p:spPr>
+      </p:pic>
+    </p:spTree>
+    <p:extLst>
+      <p:ext uri="{BB962C8B-B14F-4D97-AF65-F5344CB8AC3E}">
+        <p14:creationId xmlns:p14="http://schemas.microsoft.com/office/powerpoint/2010/main" val="416341707"/>
+      </p:ext>
+    </p:extLst>
+  </p:cSld>
+  <p:clrMapOvr>
+    <a:masterClrMapping/>
+  </p:clrMapOvr>
+  <p:timing>
+    <p:tnLst>
+      <p:par>
+        <p:cTn id="1" dur="indefinite" restart="never" nodeType="tmRoot"/>
+      </p:par>
+    </p:tnLst>
+  </p:timing>
+</p:sld>
+</file>
+
+<file path=ppt/slides/slide8.xml><?xml version="1.0" encoding="utf-8"?>
+<p:sld xmlns:a="http://schemas.openxmlformats.org/drawingml/2006/main" xmlns:r="http://schemas.openxmlformats.org/officeDocument/2006/relationships" xmlns:p="http://schemas.openxmlformats.org/presentationml/2006/main">
+  <p:cSld>
+    <p:spTree>
+      <p:nvGrpSpPr>
+        <p:cNvPr id="1" name=""/>
+        <p:cNvGrpSpPr/>
+        <p:nvPr/>
+      </p:nvGrpSpPr>
+      <p:grpSpPr>
+        <a:xfrm>
+          <a:off x="0" y="0"/>
+          <a:ext cx="0" cy="0"/>
+          <a:chOff x="0" y="0"/>
+          <a:chExt cx="0" cy="0"/>
+        </a:xfrm>
+      </p:grpSpPr>
+      <p:sp>
+        <p:nvSpPr>
+          <p:cNvPr id="2" name="제목 1"/>
+          <p:cNvSpPr>
+            <a:spLocks noGrp="1"/>
+          </p:cNvSpPr>
+          <p:nvPr>
+            <p:ph type="title"/>
+          </p:nvPr>
+        </p:nvSpPr>
+        <p:spPr/>
+        <p:txBody>
+          <a:bodyPr/>
+          <a:lstStyle/>
+          <a:p>
+            <a:r>
+              <a:rPr lang="en-US" altLang="ko-KR" dirty="0" smtClean="0"/>
+              <a:t>training</a:t>
+            </a:r>
+            <a:endParaRPr lang="ko-KR" altLang="en-US" dirty="0"/>
+          </a:p>
+        </p:txBody>
+      </p:sp>
+      <p:sp>
+        <p:nvSpPr>
+          <p:cNvPr id="3" name="내용 개체 틀 2"/>
+          <p:cNvSpPr>
+            <a:spLocks noGrp="1"/>
+          </p:cNvSpPr>
+          <p:nvPr>
+            <p:ph idx="1"/>
+          </p:nvPr>
+        </p:nvSpPr>
+        <p:spPr/>
+        <p:txBody>
+          <a:bodyPr/>
+          <a:lstStyle/>
+          <a:p>
+            <a:r>
+              <a:rPr lang="en-US" altLang="ko-KR" dirty="0" err="1" smtClean="0"/>
+              <a:t>Batchnorm</a:t>
+            </a:r>
+            <a:r>
+              <a:rPr lang="en-US" altLang="ko-KR" dirty="0" smtClean="0"/>
+              <a:t> for optimization</a:t>
+            </a:r>
+          </a:p>
+          <a:p>
+            <a:r>
+              <a:rPr lang="en-US" altLang="ko-KR" dirty="0" smtClean="0"/>
+              <a:t>Two stage training</a:t>
+            </a:r>
+          </a:p>
+        </p:txBody>
+      </p:sp>
+    </p:spTree>
+    <p:extLst>
+      <p:ext uri="{BB962C8B-B14F-4D97-AF65-F5344CB8AC3E}">
+        <p14:creationId xmlns:p14="http://schemas.microsoft.com/office/powerpoint/2010/main" val="1385891651"/>
+      </p:ext>
+    </p:extLst>
+  </p:cSld>
+  <p:clrMapOvr>
+    <a:masterClrMapping/>
+  </p:clrMapOvr>
+  <p:timing>
+    <p:tnLst>
+      <p:par>
+        <p:cTn id="1" dur="indefinite" restart="never" nodeType="tmRoot"/>
+      </p:par>
+    </p:tnLst>
+  </p:timing>
+</p:sld>
+</file>
+
+<file path=ppt/slides/slide9.xml><?xml version="1.0" encoding="utf-8"?>
+<p:sld xmlns:a="http://schemas.openxmlformats.org/drawingml/2006/main" xmlns:r="http://schemas.openxmlformats.org/officeDocument/2006/relationships" xmlns:p="http://schemas.openxmlformats.org/presentationml/2006/main">
+  <p:cSld>
+    <p:spTree>
+      <p:nvGrpSpPr>
+        <p:cNvPr id="1" name=""/>
+        <p:cNvGrpSpPr/>
+        <p:nvPr/>
+      </p:nvGrpSpPr>
+      <p:grpSpPr>
+        <a:xfrm>
+          <a:off x="0" y="0"/>
+          <a:ext cx="0" cy="0"/>
+          <a:chOff x="0" y="0"/>
+          <a:chExt cx="0" cy="0"/>
+        </a:xfrm>
+      </p:grpSpPr>
+      <p:sp>
+        <p:nvSpPr>
+          <p:cNvPr id="2" name="제목 1"/>
+          <p:cNvSpPr>
+            <a:spLocks noGrp="1"/>
+          </p:cNvSpPr>
+          <p:nvPr>
+            <p:ph type="title"/>
+          </p:nvPr>
+        </p:nvSpPr>
+        <p:spPr/>
+        <p:txBody>
+          <a:bodyPr/>
+          <a:lstStyle/>
+          <a:p>
+            <a:r>
+              <a:rPr lang="en-US" altLang="ko-KR" dirty="0" smtClean="0"/>
+              <a:t>Use with other ideas</a:t>
+            </a:r>
+            <a:endParaRPr lang="ko-KR" altLang="en-US" dirty="0"/>
+          </a:p>
+        </p:txBody>
+      </p:sp>
+      <p:sp>
+        <p:nvSpPr>
+          <p:cNvPr id="3" name="내용 개체 틀 2"/>
+          <p:cNvSpPr>
+            <a:spLocks noGrp="1"/>
+          </p:cNvSpPr>
+          <p:nvPr>
+            <p:ph idx="1"/>
+          </p:nvPr>
+        </p:nvSpPr>
+        <p:spPr/>
+        <p:txBody>
+          <a:bodyPr/>
+          <a:lstStyle/>
+          <a:p>
+            <a:endParaRPr lang="ko-KR" altLang="en-US"/>
+          </a:p>
+        </p:txBody>
+      </p:sp>
+      <p:pic>
+        <p:nvPicPr>
+          <p:cNvPr id="4" name="그림 3"/>
+          <p:cNvPicPr>
+            <a:picLocks noChangeAspect="1"/>
+          </p:cNvPicPr>
+          <p:nvPr/>
+        </p:nvPicPr>
+        <p:blipFill>
+          <a:blip r:embed="rId2"/>
+          <a:stretch>
+            <a:fillRect/>
+          </a:stretch>
+        </p:blipFill>
+        <p:spPr>
+          <a:xfrm>
+            <a:off x="2100906" y="1825625"/>
+            <a:ext cx="7990188" cy="4726111"/>
+          </a:xfrm>
+          <a:prstGeom prst="rect">
+            <a:avLst/>
+          </a:prstGeom>
+        </p:spPr>
+      </p:pic>
+    </p:spTree>
+    <p:extLst>
+      <p:ext uri="{BB962C8B-B14F-4D97-AF65-F5344CB8AC3E}">
+        <p14:creationId xmlns:p14="http://schemas.microsoft.com/office/powerpoint/2010/main" val="2433332429"/>
+      </p:ext>
+    </p:extLst>
+  </p:cSld>
+  <p:clrMapOvr>
+    <a:masterClrMapping/>
+  </p:clrMapOvr>
+  <p:timing>
+    <p:tnLst>
+      <p:par>
+        <p:cTn id="1" dur="indefinite" restart="never" nodeType="tmRoot"/>
+      </p:par>
+    </p:tnLst>
+  </p:timing>
 </p:sld>
 </file>
 

--- a/Deconvolution Net.pptx
+++ b/Deconvolution Net.pptx
@@ -251,7 +251,7 @@
           <a:p>
             <a:fld id="{16F3CBEB-74AD-4BF4-B88A-2BEB28D2B57D}" type="datetimeFigureOut">
               <a:rPr lang="ko-KR" altLang="en-US" smtClean="0"/>
-              <a:t>2021-01-30</a:t>
+              <a:t>2021-02-01</a:t>
             </a:fld>
             <a:endParaRPr lang="ko-KR" altLang="en-US"/>
           </a:p>
@@ -421,7 +421,7 @@
           <a:p>
             <a:fld id="{16F3CBEB-74AD-4BF4-B88A-2BEB28D2B57D}" type="datetimeFigureOut">
               <a:rPr lang="ko-KR" altLang="en-US" smtClean="0"/>
-              <a:t>2021-01-30</a:t>
+              <a:t>2021-02-01</a:t>
             </a:fld>
             <a:endParaRPr lang="ko-KR" altLang="en-US"/>
           </a:p>
@@ -601,7 +601,7 @@
           <a:p>
             <a:fld id="{16F3CBEB-74AD-4BF4-B88A-2BEB28D2B57D}" type="datetimeFigureOut">
               <a:rPr lang="ko-KR" altLang="en-US" smtClean="0"/>
-              <a:t>2021-01-30</a:t>
+              <a:t>2021-02-01</a:t>
             </a:fld>
             <a:endParaRPr lang="ko-KR" altLang="en-US"/>
           </a:p>
@@ -771,7 +771,7 @@
           <a:p>
             <a:fld id="{16F3CBEB-74AD-4BF4-B88A-2BEB28D2B57D}" type="datetimeFigureOut">
               <a:rPr lang="ko-KR" altLang="en-US" smtClean="0"/>
-              <a:t>2021-01-30</a:t>
+              <a:t>2021-02-01</a:t>
             </a:fld>
             <a:endParaRPr lang="ko-KR" altLang="en-US"/>
           </a:p>
@@ -1017,7 +1017,7 @@
           <a:p>
             <a:fld id="{16F3CBEB-74AD-4BF4-B88A-2BEB28D2B57D}" type="datetimeFigureOut">
               <a:rPr lang="ko-KR" altLang="en-US" smtClean="0"/>
-              <a:t>2021-01-30</a:t>
+              <a:t>2021-02-01</a:t>
             </a:fld>
             <a:endParaRPr lang="ko-KR" altLang="en-US"/>
           </a:p>
@@ -1249,7 +1249,7 @@
           <a:p>
             <a:fld id="{16F3CBEB-74AD-4BF4-B88A-2BEB28D2B57D}" type="datetimeFigureOut">
               <a:rPr lang="ko-KR" altLang="en-US" smtClean="0"/>
-              <a:t>2021-01-30</a:t>
+              <a:t>2021-02-01</a:t>
             </a:fld>
             <a:endParaRPr lang="ko-KR" altLang="en-US"/>
           </a:p>
@@ -1616,7 +1616,7 @@
           <a:p>
             <a:fld id="{16F3CBEB-74AD-4BF4-B88A-2BEB28D2B57D}" type="datetimeFigureOut">
               <a:rPr lang="ko-KR" altLang="en-US" smtClean="0"/>
-              <a:t>2021-01-30</a:t>
+              <a:t>2021-02-01</a:t>
             </a:fld>
             <a:endParaRPr lang="ko-KR" altLang="en-US"/>
           </a:p>
@@ -1734,7 +1734,7 @@
           <a:p>
             <a:fld id="{16F3CBEB-74AD-4BF4-B88A-2BEB28D2B57D}" type="datetimeFigureOut">
               <a:rPr lang="ko-KR" altLang="en-US" smtClean="0"/>
-              <a:t>2021-01-30</a:t>
+              <a:t>2021-02-01</a:t>
             </a:fld>
             <a:endParaRPr lang="ko-KR" altLang="en-US"/>
           </a:p>
@@ -1829,7 +1829,7 @@
           <a:p>
             <a:fld id="{16F3CBEB-74AD-4BF4-B88A-2BEB28D2B57D}" type="datetimeFigureOut">
               <a:rPr lang="ko-KR" altLang="en-US" smtClean="0"/>
-              <a:t>2021-01-30</a:t>
+              <a:t>2021-02-01</a:t>
             </a:fld>
             <a:endParaRPr lang="ko-KR" altLang="en-US"/>
           </a:p>
@@ -2106,7 +2106,7 @@
           <a:p>
             <a:fld id="{16F3CBEB-74AD-4BF4-B88A-2BEB28D2B57D}" type="datetimeFigureOut">
               <a:rPr lang="ko-KR" altLang="en-US" smtClean="0"/>
-              <a:t>2021-01-30</a:t>
+              <a:t>2021-02-01</a:t>
             </a:fld>
             <a:endParaRPr lang="ko-KR" altLang="en-US"/>
           </a:p>
@@ -2359,7 +2359,7 @@
           <a:p>
             <a:fld id="{16F3CBEB-74AD-4BF4-B88A-2BEB28D2B57D}" type="datetimeFigureOut">
               <a:rPr lang="ko-KR" altLang="en-US" smtClean="0"/>
-              <a:t>2021-01-30</a:t>
+              <a:t>2021-02-01</a:t>
             </a:fld>
             <a:endParaRPr lang="ko-KR" altLang="en-US"/>
           </a:p>
@@ -2572,7 +2572,7 @@
           <a:p>
             <a:fld id="{16F3CBEB-74AD-4BF4-B88A-2BEB28D2B57D}" type="datetimeFigureOut">
               <a:rPr lang="ko-KR" altLang="en-US" smtClean="0"/>
-              <a:t>2021-01-30</a:t>
+              <a:t>2021-02-01</a:t>
             </a:fld>
             <a:endParaRPr lang="ko-KR" altLang="en-US"/>
           </a:p>
